--- a/impact投資.pptx
+++ b/impact投資.pptx
@@ -123,6 +123,11 @@
       </a:defRPr>
     </a:lvl9pPr>
   </p:defaultTextStyle>
+  <p:extLst>
+    <p:ext uri="{EFAFB233-063F-42B5-8137-9DF3F51BA10A}">
+      <p15:sldGuideLst xmlns:p15="http://schemas.microsoft.com/office/powerpoint/2012/main"/>
+    </p:ext>
+  </p:extLst>
 </p:presentation>
 </file>
 
@@ -808,7 +813,7 @@
           <a:p>
             <a:fld id="{D2A128D5-D9E1-4E60-829D-52DB229AA505}" type="datetimeFigureOut">
               <a:rPr kumimoji="1" lang="ja-JP" altLang="en-US" smtClean="0"/>
-              <a:t>2023/8/30</a:t>
+              <a:t>2023/8/31</a:t>
             </a:fld>
             <a:endParaRPr kumimoji="1" lang="ja-JP" altLang="en-US"/>
           </a:p>
@@ -1038,7 +1043,7 @@
           <a:p>
             <a:fld id="{D2A128D5-D9E1-4E60-829D-52DB229AA505}" type="datetimeFigureOut">
               <a:rPr kumimoji="1" lang="ja-JP" altLang="en-US" smtClean="0"/>
-              <a:t>2023/8/30</a:t>
+              <a:t>2023/8/31</a:t>
             </a:fld>
             <a:endParaRPr kumimoji="1" lang="ja-JP" altLang="en-US"/>
           </a:p>
@@ -1278,7 +1283,7 @@
           <a:p>
             <a:fld id="{D2A128D5-D9E1-4E60-829D-52DB229AA505}" type="datetimeFigureOut">
               <a:rPr kumimoji="1" lang="ja-JP" altLang="en-US" smtClean="0"/>
-              <a:t>2023/8/30</a:t>
+              <a:t>2023/8/31</a:t>
             </a:fld>
             <a:endParaRPr kumimoji="1" lang="ja-JP" altLang="en-US"/>
           </a:p>
@@ -1508,7 +1513,7 @@
           <a:p>
             <a:fld id="{D2A128D5-D9E1-4E60-829D-52DB229AA505}" type="datetimeFigureOut">
               <a:rPr kumimoji="1" lang="ja-JP" altLang="en-US" smtClean="0"/>
-              <a:t>2023/8/30</a:t>
+              <a:t>2023/8/31</a:t>
             </a:fld>
             <a:endParaRPr kumimoji="1" lang="ja-JP" altLang="en-US"/>
           </a:p>
@@ -1783,7 +1788,7 @@
           <a:p>
             <a:fld id="{D2A128D5-D9E1-4E60-829D-52DB229AA505}" type="datetimeFigureOut">
               <a:rPr kumimoji="1" lang="ja-JP" altLang="en-US" smtClean="0"/>
-              <a:t>2023/8/30</a:t>
+              <a:t>2023/8/31</a:t>
             </a:fld>
             <a:endParaRPr kumimoji="1" lang="ja-JP" altLang="en-US"/>
           </a:p>
@@ -2112,7 +2117,7 @@
           <a:p>
             <a:fld id="{D2A128D5-D9E1-4E60-829D-52DB229AA505}" type="datetimeFigureOut">
               <a:rPr kumimoji="1" lang="ja-JP" altLang="en-US" smtClean="0"/>
-              <a:t>2023/8/30</a:t>
+              <a:t>2023/8/31</a:t>
             </a:fld>
             <a:endParaRPr kumimoji="1" lang="ja-JP" altLang="en-US"/>
           </a:p>
@@ -2588,7 +2593,7 @@
           <a:p>
             <a:fld id="{D2A128D5-D9E1-4E60-829D-52DB229AA505}" type="datetimeFigureOut">
               <a:rPr kumimoji="1" lang="ja-JP" altLang="en-US" smtClean="0"/>
-              <a:t>2023/8/30</a:t>
+              <a:t>2023/8/31</a:t>
             </a:fld>
             <a:endParaRPr kumimoji="1" lang="ja-JP" altLang="en-US"/>
           </a:p>
@@ -2729,7 +2734,7 @@
           <a:p>
             <a:fld id="{D2A128D5-D9E1-4E60-829D-52DB229AA505}" type="datetimeFigureOut">
               <a:rPr kumimoji="1" lang="ja-JP" altLang="en-US" smtClean="0"/>
-              <a:t>2023/8/30</a:t>
+              <a:t>2023/8/31</a:t>
             </a:fld>
             <a:endParaRPr kumimoji="1" lang="ja-JP" altLang="en-US"/>
           </a:p>
@@ -2842,7 +2847,7 @@
           <a:p>
             <a:fld id="{D2A128D5-D9E1-4E60-829D-52DB229AA505}" type="datetimeFigureOut">
               <a:rPr kumimoji="1" lang="ja-JP" altLang="en-US" smtClean="0"/>
-              <a:t>2023/8/30</a:t>
+              <a:t>2023/8/31</a:t>
             </a:fld>
             <a:endParaRPr kumimoji="1" lang="ja-JP" altLang="en-US"/>
           </a:p>
@@ -3185,7 +3190,7 @@
           <a:p>
             <a:fld id="{D2A128D5-D9E1-4E60-829D-52DB229AA505}" type="datetimeFigureOut">
               <a:rPr kumimoji="1" lang="ja-JP" altLang="en-US" smtClean="0"/>
-              <a:t>2023/8/30</a:t>
+              <a:t>2023/8/31</a:t>
             </a:fld>
             <a:endParaRPr kumimoji="1" lang="ja-JP" altLang="en-US"/>
           </a:p>
@@ -3473,7 +3478,7 @@
           <a:p>
             <a:fld id="{D2A128D5-D9E1-4E60-829D-52DB229AA505}" type="datetimeFigureOut">
               <a:rPr kumimoji="1" lang="ja-JP" altLang="en-US" smtClean="0"/>
-              <a:t>2023/8/30</a:t>
+              <a:t>2023/8/31</a:t>
             </a:fld>
             <a:endParaRPr kumimoji="1" lang="ja-JP" altLang="en-US"/>
           </a:p>
@@ -3746,7 +3751,7 @@
           <a:p>
             <a:fld id="{D2A128D5-D9E1-4E60-829D-52DB229AA505}" type="datetimeFigureOut">
               <a:rPr kumimoji="1" lang="ja-JP" altLang="en-US" smtClean="0"/>
-              <a:t>2023/8/30</a:t>
+              <a:t>2023/8/31</a:t>
             </a:fld>
             <a:endParaRPr kumimoji="1" lang="ja-JP" altLang="en-US"/>
           </a:p>
@@ -4804,7 +4809,7 @@
         </p:spPr>
         <p:txBody>
           <a:bodyPr>
-            <a:normAutofit fontScale="55000" lnSpcReduction="20000"/>
+            <a:normAutofit fontScale="62500" lnSpcReduction="20000"/>
           </a:bodyPr>
           <a:lstStyle/>
           <a:p>
@@ -4939,13 +4944,6 @@
           <a:p>
             <a:r>
               <a:rPr lang="ja-JP" altLang="en-US" dirty="0"/>
-              <a:t>みずほのサステナスコアとインパクト投資はある意味真反対？</a:t>
-            </a:r>
-            <a:endParaRPr lang="en-US" altLang="ja-JP" dirty="0"/>
-          </a:p>
-          <a:p>
-            <a:r>
-              <a:rPr lang="ja-JP" altLang="en-US" dirty="0"/>
               <a:t>気候変動では効果の</a:t>
             </a:r>
             <a:r>
@@ -4978,14 +4976,6 @@
             <a:pPr lvl="1"/>
             <a:r>
               <a:rPr lang="ja-JP" altLang="en-US" dirty="0"/>
-              <a:t>これがみずほのいう新しい物差し？</a:t>
-            </a:r>
-            <a:endParaRPr lang="en-US" altLang="ja-JP" dirty="0"/>
-          </a:p>
-          <a:p>
-            <a:pPr lvl="1"/>
-            <a:r>
-              <a:rPr lang="ja-JP" altLang="en-US" dirty="0"/>
               <a:t>将来支払う負担額が減ることをもって、それを証券化？</a:t>
             </a:r>
             <a:endParaRPr lang="en-US" altLang="ja-JP" dirty="0"/>
@@ -5008,24 +4998,6 @@
               <a:t>そもそも、こういう環境・社会的にいい事業はリターンが悪いからこれまで投資されていないのでは？だから、同じだけのリターンを期待できるのか？</a:t>
             </a:r>
             <a:endParaRPr lang="en-US" altLang="ja-JP" dirty="0"/>
-          </a:p>
-          <a:p>
-            <a:r>
-              <a:rPr lang="ja-JP" altLang="en-US" dirty="0"/>
-              <a:t>金融の自由化の際の評価は</a:t>
-            </a:r>
-            <a:r>
-              <a:rPr lang="en-US" altLang="ja-JP" dirty="0"/>
-              <a:t>FT</a:t>
-            </a:r>
-            <a:r>
-              <a:rPr lang="ja-JP" altLang="en-US" dirty="0"/>
-              <a:t>の仕事</a:t>
-            </a:r>
-            <a:r>
-              <a:rPr lang="en-US" altLang="ja-JP" dirty="0"/>
-              <a:t>?</a:t>
-            </a:r>
           </a:p>
           <a:p>
             <a:endParaRPr lang="en-US" altLang="ja-JP" dirty="0"/>
@@ -5182,38 +5154,6 @@
           </a:p>
           <a:p>
             <a:pPr lvl="1"/>
-            <a:r>
-              <a:rPr lang="ja-JP" altLang="en-US" dirty="0"/>
-              <a:t>ある意味、これまでの</a:t>
-            </a:r>
-            <a:r>
-              <a:rPr lang="en-US" altLang="ja-JP" dirty="0"/>
-              <a:t>ESG</a:t>
-            </a:r>
-            <a:r>
-              <a:rPr lang="ja-JP" altLang="en-US" dirty="0"/>
-              <a:t>投資</a:t>
-            </a:r>
-            <a:r>
-              <a:rPr lang="en-US" altLang="ja-JP" dirty="0"/>
-              <a:t>(FT</a:t>
-            </a:r>
-            <a:r>
-              <a:rPr lang="ja-JP" altLang="en-US" dirty="0"/>
-              <a:t>のサステナスコア</a:t>
-            </a:r>
-            <a:r>
-              <a:rPr lang="en-US" altLang="ja-JP" dirty="0"/>
-              <a:t>)</a:t>
-            </a:r>
-            <a:r>
-              <a:rPr lang="ja-JP" altLang="en-US" dirty="0"/>
-              <a:t>とは真逆の発想</a:t>
-            </a:r>
-            <a:endParaRPr lang="en-US" altLang="ja-JP" dirty="0"/>
-          </a:p>
-          <a:p>
-            <a:pPr lvl="1"/>
             <a:endParaRPr kumimoji="1" lang="ja-JP" altLang="en-US" dirty="0"/>
           </a:p>
         </p:txBody>
@@ -5536,18 +5476,15 @@
         </p:spPr>
         <p:txBody>
           <a:bodyPr>
-            <a:normAutofit fontScale="92500" lnSpcReduction="10000"/>
+            <a:normAutofit lnSpcReduction="10000"/>
           </a:bodyPr>
           <a:lstStyle/>
           <a:p>
             <a:r>
               <a:rPr kumimoji="1" lang="ja-JP" altLang="en-US" dirty="0"/>
-              <a:t>定量評価にサステナスコア</a:t>
-            </a:r>
-            <a:r>
-              <a:rPr kumimoji="1" lang="en-US" altLang="ja-JP" dirty="0"/>
-              <a:t>?</a:t>
-            </a:r>
+              <a:t>定量評価に</a:t>
+            </a:r>
+            <a:endParaRPr kumimoji="1" lang="en-US" altLang="ja-JP" dirty="0"/>
           </a:p>
           <a:p>
             <a:pPr lvl="1"/>
@@ -5585,15 +5522,15 @@
             <a:pPr lvl="2"/>
             <a:r>
               <a:rPr lang="ja-JP" altLang="en-US" dirty="0"/>
-              <a:t>おそらく、みずほの資料にある「新しいものさし」はこういう指標をいかに定量化するか？ということを言っている気がする</a:t>
-            </a:r>
-            <a:endParaRPr kumimoji="1" lang="en-US" altLang="ja-JP" dirty="0"/>
+              <a:t>おそらく、</a:t>
+            </a:r>
+            <a:endParaRPr lang="en-US" altLang="ja-JP" dirty="0"/>
           </a:p>
           <a:p>
             <a:pPr lvl="1"/>
             <a:r>
               <a:rPr kumimoji="1" lang="ja-JP" altLang="en-US" dirty="0"/>
-              <a:t>サステナスコアの本来の発想を逆転させて、</a:t>
+              <a:t>の本来の発想を逆転させて、</a:t>
             </a:r>
             <a:r>
               <a:rPr kumimoji="1" lang="ja-JP" altLang="en-US" b="1" dirty="0"/>
@@ -6249,10 +6186,9 @@
               <a:t>信用リスク管理の高度化</a:t>
             </a:r>
             <a:r>
-              <a:rPr kumimoji="1" lang="en-US" altLang="ja-JP"/>
+              <a:rPr kumimoji="1" lang="en-US" altLang="ja-JP" dirty="0"/>
               <a:t>?</a:t>
             </a:r>
-            <a:endParaRPr kumimoji="1" lang="en-US" altLang="ja-JP" dirty="0"/>
           </a:p>
           <a:p>
             <a:pPr lvl="1"/>
@@ -6277,22 +6213,6 @@
               <a:t>融資とデリバティブの融合？</a:t>
             </a:r>
             <a:endParaRPr kumimoji="1" lang="en-US" altLang="ja-JP" dirty="0"/>
-          </a:p>
-          <a:p>
-            <a:pPr lvl="1"/>
-            <a:r>
-              <a:rPr lang="ja-JP" altLang="en-US" dirty="0"/>
-              <a:t>みずほにカーボンクレジットの</a:t>
-            </a:r>
-            <a:r>
-              <a:rPr lang="en-US" altLang="ja-JP" dirty="0"/>
-              <a:t>WG</a:t>
-            </a:r>
-            <a:r>
-              <a:rPr lang="ja-JP" altLang="en-US" dirty="0"/>
-              <a:t>あり？</a:t>
-            </a:r>
-            <a:endParaRPr kumimoji="1" lang="ja-JP" altLang="en-US" dirty="0"/>
           </a:p>
         </p:txBody>
       </p:sp>
